--- a/CapstonePG9.pptx
+++ b/CapstonePG9.pptx
@@ -1567,14 +1567,6 @@
 <file path=ppt/slideLayouts/slideLayout1.xml><?xml version="1.0" encoding="utf-8"?>
 <p:sldLayout xmlns:a="http://schemas.openxmlformats.org/drawingml/2006/main" xmlns:r="http://schemas.openxmlformats.org/officeDocument/2006/relationships" xmlns:p="http://schemas.openxmlformats.org/presentationml/2006/main" type="title" preserve="1">
   <p:cSld name="Title Slide">
-    <p:bg>
-      <p:bgPr>
-        <a:solidFill>
-          <a:schemeClr val="accent1"/>
-        </a:solidFill>
-        <a:effectLst/>
-      </p:bgPr>
-    </p:bg>
     <p:spTree>
       <p:nvGrpSpPr>
         <p:cNvPr id="1" name=""/>
@@ -1764,7 +1756,7 @@
           <a:p>
             <a:fld id="{241EB5C9-1307-BA42-ABA2-0BC069CD8E7F}" type="datetimeFigureOut">
               <a:rPr lang="en-US" smtClean="0"/>
-              <a:t>11/6/2022</a:t>
+              <a:t>11/18/2022</a:t>
             </a:fld>
             <a:endParaRPr lang="en-US"/>
           </a:p>
@@ -1954,7 +1946,7 @@
           <a:p>
             <a:fld id="{241EB5C9-1307-BA42-ABA2-0BC069CD8E7F}" type="datetimeFigureOut">
               <a:rPr lang="en-US" smtClean="0"/>
-              <a:t>11/6/2022</a:t>
+              <a:t>11/18/2022</a:t>
             </a:fld>
             <a:endParaRPr lang="en-US"/>
           </a:p>
@@ -2134,7 +2126,7 @@
           <a:p>
             <a:fld id="{241EB5C9-1307-BA42-ABA2-0BC069CD8E7F}" type="datetimeFigureOut">
               <a:rPr lang="en-US" smtClean="0"/>
-              <a:t>11/6/2022</a:t>
+              <a:t>11/18/2022</a:t>
             </a:fld>
             <a:endParaRPr lang="en-US"/>
           </a:p>
@@ -3167,7 +3159,7 @@
           <a:p>
             <a:fld id="{241EB5C9-1307-BA42-ABA2-0BC069CD8E7F}" type="datetimeFigureOut">
               <a:rPr lang="en-US" smtClean="0"/>
-              <a:t>11/6/2022</a:t>
+              <a:t>11/18/2022</a:t>
             </a:fld>
             <a:endParaRPr lang="en-US"/>
           </a:p>
@@ -3423,7 +3415,7 @@
           <a:p>
             <a:fld id="{241EB5C9-1307-BA42-ABA2-0BC069CD8E7F}" type="datetimeFigureOut">
               <a:rPr lang="en-US" smtClean="0"/>
-              <a:t>11/6/2022</a:t>
+              <a:t>11/18/2022</a:t>
             </a:fld>
             <a:endParaRPr lang="en-US"/>
           </a:p>
@@ -3711,7 +3703,7 @@
           <a:p>
             <a:fld id="{241EB5C9-1307-BA42-ABA2-0BC069CD8E7F}" type="datetimeFigureOut">
               <a:rPr lang="en-US" smtClean="0"/>
-              <a:t>11/6/2022</a:t>
+              <a:t>11/18/2022</a:t>
             </a:fld>
             <a:endParaRPr lang="en-US"/>
           </a:p>
@@ -4149,7 +4141,7 @@
           <a:p>
             <a:fld id="{241EB5C9-1307-BA42-ABA2-0BC069CD8E7F}" type="datetimeFigureOut">
               <a:rPr lang="en-US" smtClean="0"/>
-              <a:t>11/6/2022</a:t>
+              <a:t>11/18/2022</a:t>
             </a:fld>
             <a:endParaRPr lang="en-US"/>
           </a:p>
@@ -4267,7 +4259,7 @@
           <a:p>
             <a:fld id="{241EB5C9-1307-BA42-ABA2-0BC069CD8E7F}" type="datetimeFigureOut">
               <a:rPr lang="en-US" smtClean="0"/>
-              <a:t>11/6/2022</a:t>
+              <a:t>11/18/2022</a:t>
             </a:fld>
             <a:endParaRPr lang="en-US"/>
           </a:p>
@@ -4362,7 +4354,7 @@
           <a:p>
             <a:fld id="{241EB5C9-1307-BA42-ABA2-0BC069CD8E7F}" type="datetimeFigureOut">
               <a:rPr lang="en-US" smtClean="0"/>
-              <a:t>11/6/2022</a:t>
+              <a:t>11/18/2022</a:t>
             </a:fld>
             <a:endParaRPr lang="en-US"/>
           </a:p>
@@ -4718,7 +4710,7 @@
           <a:p>
             <a:fld id="{241EB5C9-1307-BA42-ABA2-0BC069CD8E7F}" type="datetimeFigureOut">
               <a:rPr lang="en-US" smtClean="0"/>
-              <a:t>11/6/2022</a:t>
+              <a:t>11/18/2022</a:t>
             </a:fld>
             <a:endParaRPr lang="en-US"/>
           </a:p>
@@ -4792,11 +4784,356 @@
 <file path=ppt/slideLayouts/slideLayout9.xml><?xml version="1.0" encoding="utf-8"?>
 <p:sldLayout xmlns:a="http://schemas.openxmlformats.org/drawingml/2006/main" xmlns:r="http://schemas.openxmlformats.org/officeDocument/2006/relationships" xmlns:p="http://schemas.openxmlformats.org/presentationml/2006/main" type="picTx" preserve="1">
   <p:cSld name="Picture with Caption">
+    <p:spTree>
+      <p:nvGrpSpPr>
+        <p:cNvPr id="1" name=""/>
+        <p:cNvGrpSpPr/>
+        <p:nvPr/>
+      </p:nvGrpSpPr>
+      <p:grpSpPr>
+        <a:xfrm>
+          <a:off x="0" y="0"/>
+          <a:ext cx="0" cy="0"/>
+          <a:chOff x="0" y="0"/>
+          <a:chExt cx="0" cy="0"/>
+        </a:xfrm>
+      </p:grpSpPr>
+      <p:sp>
+        <p:nvSpPr>
+          <p:cNvPr id="2" name="Title 1"/>
+          <p:cNvSpPr>
+            <a:spLocks noGrp="1"/>
+          </p:cNvSpPr>
+          <p:nvPr>
+            <p:ph type="title"/>
+          </p:nvPr>
+        </p:nvSpPr>
+        <p:spPr>
+          <a:xfrm>
+            <a:off x="486918" y="4064001"/>
+            <a:ext cx="8085582" cy="459962"/>
+          </a:xfrm>
+        </p:spPr>
+        <p:txBody>
+          <a:bodyPr anchor="b">
+            <a:normAutofit/>
+          </a:bodyPr>
+          <a:lstStyle>
+            <a:lvl1pPr>
+              <a:defRPr sz="2400" b="0">
+                <a:solidFill>
+                  <a:srgbClr val="FFFFFF"/>
+                </a:solidFill>
+              </a:defRPr>
+            </a:lvl1pPr>
+          </a:lstStyle>
+          <a:p>
+            <a:r>
+              <a:rPr lang="en-US"/>
+              <a:t>Click to edit Master title style</a:t>
+            </a:r>
+            <a:endParaRPr lang="en-US" dirty="0"/>
+          </a:p>
+        </p:txBody>
+      </p:sp>
+      <p:sp>
+        <p:nvSpPr>
+          <p:cNvPr id="3" name="Picture Placeholder 2"/>
+          <p:cNvSpPr>
+            <a:spLocks noGrp="1" noChangeAspect="1"/>
+          </p:cNvSpPr>
+          <p:nvPr>
+            <p:ph type="pic" idx="1"/>
+          </p:nvPr>
+        </p:nvSpPr>
+        <p:spPr>
+          <a:xfrm>
+            <a:off x="0" y="0"/>
+            <a:ext cx="9144000" cy="3998214"/>
+          </a:xfrm>
+          <a:solidFill>
+            <a:schemeClr val="accent1">
+              <a:lumMod val="40000"/>
+              <a:lumOff val="60000"/>
+            </a:schemeClr>
+          </a:solidFill>
+        </p:spPr>
+        <p:txBody>
+          <a:bodyPr anchor="t"/>
+          <a:lstStyle>
+            <a:lvl1pPr marL="0" indent="0" algn="ctr">
+              <a:spcBef>
+                <a:spcPts val="600"/>
+              </a:spcBef>
+              <a:buNone/>
+              <a:defRPr sz="2400">
+                <a:solidFill>
+                  <a:schemeClr val="tx1">
+                    <a:lumMod val="75000"/>
+                    <a:lumOff val="25000"/>
+                  </a:schemeClr>
+                </a:solidFill>
+              </a:defRPr>
+            </a:lvl1pPr>
+            <a:lvl2pPr marL="342900" indent="0">
+              <a:buNone/>
+              <a:defRPr sz="2100"/>
+            </a:lvl2pPr>
+            <a:lvl3pPr marL="685800" indent="0">
+              <a:buNone/>
+              <a:defRPr sz="1800"/>
+            </a:lvl3pPr>
+            <a:lvl4pPr marL="1028700" indent="0">
+              <a:buNone/>
+              <a:defRPr sz="1500"/>
+            </a:lvl4pPr>
+            <a:lvl5pPr marL="1371600" indent="0">
+              <a:buNone/>
+              <a:defRPr sz="1500"/>
+            </a:lvl5pPr>
+            <a:lvl6pPr marL="1714500" indent="0">
+              <a:buNone/>
+              <a:defRPr sz="1500"/>
+            </a:lvl6pPr>
+            <a:lvl7pPr marL="2057400" indent="0">
+              <a:buNone/>
+              <a:defRPr sz="1500"/>
+            </a:lvl7pPr>
+            <a:lvl8pPr marL="2400300" indent="0">
+              <a:buNone/>
+              <a:defRPr sz="1500"/>
+            </a:lvl8pPr>
+            <a:lvl9pPr marL="2743200" indent="0">
+              <a:buNone/>
+              <a:defRPr sz="1500"/>
+            </a:lvl9pPr>
+          </a:lstStyle>
+          <a:p>
+            <a:r>
+              <a:rPr lang="en-US"/>
+              <a:t>Click icon to add picture</a:t>
+            </a:r>
+            <a:endParaRPr lang="en-US" dirty="0"/>
+          </a:p>
+        </p:txBody>
+      </p:sp>
+      <p:sp>
+        <p:nvSpPr>
+          <p:cNvPr id="4" name="Text Placeholder 3"/>
+          <p:cNvSpPr>
+            <a:spLocks noGrp="1"/>
+          </p:cNvSpPr>
+          <p:nvPr>
+            <p:ph type="body" sz="half" idx="2"/>
+          </p:nvPr>
+        </p:nvSpPr>
+        <p:spPr>
+          <a:xfrm>
+            <a:off x="507492" y="4432301"/>
+            <a:ext cx="6922008" cy="400050"/>
+          </a:xfrm>
+        </p:spPr>
+        <p:txBody>
+          <a:bodyPr>
+            <a:normAutofit/>
+          </a:bodyPr>
+          <a:lstStyle>
+            <a:lvl1pPr marL="0" indent="0">
+              <a:lnSpc>
+                <a:spcPct val="90000"/>
+              </a:lnSpc>
+              <a:buNone/>
+              <a:defRPr sz="1050">
+                <a:solidFill>
+                  <a:srgbClr val="262626"/>
+                </a:solidFill>
+              </a:defRPr>
+            </a:lvl1pPr>
+            <a:lvl2pPr marL="342900" indent="0">
+              <a:buNone/>
+              <a:defRPr sz="900"/>
+            </a:lvl2pPr>
+            <a:lvl3pPr marL="685800" indent="0">
+              <a:buNone/>
+              <a:defRPr sz="750"/>
+            </a:lvl3pPr>
+            <a:lvl4pPr marL="1028700" indent="0">
+              <a:buNone/>
+              <a:defRPr sz="675"/>
+            </a:lvl4pPr>
+            <a:lvl5pPr marL="1371600" indent="0">
+              <a:buNone/>
+              <a:defRPr sz="675"/>
+            </a:lvl5pPr>
+            <a:lvl6pPr marL="1714500" indent="0">
+              <a:buNone/>
+              <a:defRPr sz="675"/>
+            </a:lvl6pPr>
+            <a:lvl7pPr marL="2057400" indent="0">
+              <a:buNone/>
+              <a:defRPr sz="675"/>
+            </a:lvl7pPr>
+            <a:lvl8pPr marL="2400300" indent="0">
+              <a:buNone/>
+              <a:defRPr sz="675"/>
+            </a:lvl8pPr>
+            <a:lvl9pPr marL="2743200" indent="0">
+              <a:buNone/>
+              <a:defRPr sz="675"/>
+            </a:lvl9pPr>
+          </a:lstStyle>
+          <a:p>
+            <a:pPr lvl="0"/>
+            <a:r>
+              <a:rPr lang="en-US"/>
+              <a:t>Click to edit Master text styles</a:t>
+            </a:r>
+          </a:p>
+        </p:txBody>
+      </p:sp>
+      <p:sp>
+        <p:nvSpPr>
+          <p:cNvPr id="12" name="Date Placeholder 11"/>
+          <p:cNvSpPr>
+            <a:spLocks noGrp="1"/>
+          </p:cNvSpPr>
+          <p:nvPr>
+            <p:ph type="dt" sz="half" idx="10"/>
+          </p:nvPr>
+        </p:nvSpPr>
+        <p:spPr/>
+        <p:txBody>
+          <a:bodyPr/>
+          <a:lstStyle>
+            <a:lvl1pPr>
+              <a:defRPr>
+                <a:solidFill>
+                  <a:srgbClr val="FFFFFF">
+                    <a:alpha val="80000"/>
+                  </a:srgbClr>
+                </a:solidFill>
+              </a:defRPr>
+            </a:lvl1pPr>
+          </a:lstStyle>
+          <a:p>
+            <a:fld id="{241EB5C9-1307-BA42-ABA2-0BC069CD8E7F}" type="datetimeFigureOut">
+              <a:rPr lang="en-US" smtClean="0"/>
+              <a:t>11/18/2022</a:t>
+            </a:fld>
+            <a:endParaRPr lang="en-US"/>
+          </a:p>
+        </p:txBody>
+      </p:sp>
+      <p:sp>
+        <p:nvSpPr>
+          <p:cNvPr id="13" name="Footer Placeholder 12"/>
+          <p:cNvSpPr>
+            <a:spLocks noGrp="1"/>
+          </p:cNvSpPr>
+          <p:nvPr>
+            <p:ph type="ftr" sz="quarter" idx="11"/>
+          </p:nvPr>
+        </p:nvSpPr>
+        <p:spPr/>
+        <p:txBody>
+          <a:bodyPr/>
+          <a:lstStyle>
+            <a:lvl1pPr>
+              <a:defRPr>
+                <a:solidFill>
+                  <a:srgbClr val="FFFFFF">
+                    <a:alpha val="80000"/>
+                  </a:srgbClr>
+                </a:solidFill>
+              </a:defRPr>
+            </a:lvl1pPr>
+          </a:lstStyle>
+          <a:p>
+            <a:endParaRPr lang="en-US"/>
+          </a:p>
+        </p:txBody>
+      </p:sp>
+      <p:sp>
+        <p:nvSpPr>
+          <p:cNvPr id="14" name="Slide Number Placeholder 13"/>
+          <p:cNvSpPr>
+            <a:spLocks noGrp="1"/>
+          </p:cNvSpPr>
+          <p:nvPr>
+            <p:ph type="sldNum" sz="quarter" idx="12"/>
+          </p:nvPr>
+        </p:nvSpPr>
+        <p:spPr/>
+        <p:txBody>
+          <a:bodyPr/>
+          <a:lstStyle>
+            <a:lvl1pPr>
+              <a:defRPr>
+                <a:solidFill>
+                  <a:srgbClr val="FFFFFF">
+                    <a:alpha val="25000"/>
+                  </a:srgbClr>
+                </a:solidFill>
+              </a:defRPr>
+            </a:lvl1pPr>
+          </a:lstStyle>
+          <a:p>
+            <a:fld id="{C5EF2332-01BF-834F-8236-50238282D533}" type="slidenum">
+              <a:rPr lang="en-US" smtClean="0"/>
+              <a:t>‹#›</a:t>
+            </a:fld>
+            <a:endParaRPr lang="en-US"/>
+          </a:p>
+        </p:txBody>
+      </p:sp>
+    </p:spTree>
+    <p:extLst>
+      <p:ext uri="{BB962C8B-B14F-4D97-AF65-F5344CB8AC3E}">
+        <p14:creationId xmlns:p14="http://schemas.microsoft.com/office/powerpoint/2010/main" val="1768251538"/>
+      </p:ext>
+    </p:extLst>
+  </p:cSld>
+  <p:clrMapOvr>
+    <a:overrideClrMapping bg1="lt1" tx1="dk1" bg2="lt2" tx2="dk2" accent1="accent1" accent2="accent2" accent3="accent3" accent4="accent4" accent5="accent5" accent6="accent6" hlink="hlink" folHlink="folHlink"/>
+  </p:clrMapOvr>
+</p:sldLayout>
+</file>
+
+<file path=ppt/slideMasters/slideMaster1.xml><?xml version="1.0" encoding="utf-8"?>
+<p:sldMaster xmlns:a="http://schemas.openxmlformats.org/drawingml/2006/main" xmlns:r="http://schemas.openxmlformats.org/officeDocument/2006/relationships" xmlns:p="http://schemas.openxmlformats.org/presentationml/2006/main">
+  <p:cSld>
     <p:bg>
       <p:bgPr>
-        <a:solidFill>
-          <a:schemeClr val="accent1"/>
-        </a:solidFill>
+        <a:gradFill flip="none" rotWithShape="1">
+          <a:gsLst>
+            <a:gs pos="0">
+              <a:schemeClr val="accent1">
+                <a:lumMod val="5000"/>
+                <a:lumOff val="95000"/>
+              </a:schemeClr>
+            </a:gs>
+            <a:gs pos="74000">
+              <a:schemeClr val="accent1">
+                <a:lumMod val="45000"/>
+                <a:lumOff val="55000"/>
+              </a:schemeClr>
+            </a:gs>
+            <a:gs pos="83000">
+              <a:schemeClr val="accent1">
+                <a:lumMod val="45000"/>
+                <a:lumOff val="55000"/>
+              </a:schemeClr>
+            </a:gs>
+            <a:gs pos="100000">
+              <a:schemeClr val="accent1">
+                <a:lumMod val="30000"/>
+                <a:lumOff val="70000"/>
+              </a:schemeClr>
+            </a:gs>
+          </a:gsLst>
+          <a:lin ang="5400000" scaled="1"/>
+          <a:tileRect/>
+        </a:gradFill>
         <a:effectLst/>
       </p:bgPr>
     </p:bg>
@@ -4816,329 +5153,6 @@
       </p:grpSpPr>
       <p:sp>
         <p:nvSpPr>
-          <p:cNvPr id="2" name="Title 1"/>
-          <p:cNvSpPr>
-            <a:spLocks noGrp="1"/>
-          </p:cNvSpPr>
-          <p:nvPr>
-            <p:ph type="title"/>
-          </p:nvPr>
-        </p:nvSpPr>
-        <p:spPr>
-          <a:xfrm>
-            <a:off x="486918" y="4064001"/>
-            <a:ext cx="8085582" cy="459962"/>
-          </a:xfrm>
-        </p:spPr>
-        <p:txBody>
-          <a:bodyPr anchor="b">
-            <a:normAutofit/>
-          </a:bodyPr>
-          <a:lstStyle>
-            <a:lvl1pPr>
-              <a:defRPr sz="2400" b="0">
-                <a:solidFill>
-                  <a:srgbClr val="FFFFFF"/>
-                </a:solidFill>
-              </a:defRPr>
-            </a:lvl1pPr>
-          </a:lstStyle>
-          <a:p>
-            <a:r>
-              <a:rPr lang="en-US"/>
-              <a:t>Click to edit Master title style</a:t>
-            </a:r>
-            <a:endParaRPr lang="en-US" dirty="0"/>
-          </a:p>
-        </p:txBody>
-      </p:sp>
-      <p:sp>
-        <p:nvSpPr>
-          <p:cNvPr id="3" name="Picture Placeholder 2"/>
-          <p:cNvSpPr>
-            <a:spLocks noGrp="1" noChangeAspect="1"/>
-          </p:cNvSpPr>
-          <p:nvPr>
-            <p:ph type="pic" idx="1"/>
-          </p:nvPr>
-        </p:nvSpPr>
-        <p:spPr>
-          <a:xfrm>
-            <a:off x="0" y="0"/>
-            <a:ext cx="9144000" cy="3998214"/>
-          </a:xfrm>
-          <a:solidFill>
-            <a:schemeClr val="accent1">
-              <a:lumMod val="40000"/>
-              <a:lumOff val="60000"/>
-            </a:schemeClr>
-          </a:solidFill>
-        </p:spPr>
-        <p:txBody>
-          <a:bodyPr anchor="t"/>
-          <a:lstStyle>
-            <a:lvl1pPr marL="0" indent="0" algn="ctr">
-              <a:spcBef>
-                <a:spcPts val="600"/>
-              </a:spcBef>
-              <a:buNone/>
-              <a:defRPr sz="2400">
-                <a:solidFill>
-                  <a:schemeClr val="tx1">
-                    <a:lumMod val="75000"/>
-                    <a:lumOff val="25000"/>
-                  </a:schemeClr>
-                </a:solidFill>
-              </a:defRPr>
-            </a:lvl1pPr>
-            <a:lvl2pPr marL="342900" indent="0">
-              <a:buNone/>
-              <a:defRPr sz="2100"/>
-            </a:lvl2pPr>
-            <a:lvl3pPr marL="685800" indent="0">
-              <a:buNone/>
-              <a:defRPr sz="1800"/>
-            </a:lvl3pPr>
-            <a:lvl4pPr marL="1028700" indent="0">
-              <a:buNone/>
-              <a:defRPr sz="1500"/>
-            </a:lvl4pPr>
-            <a:lvl5pPr marL="1371600" indent="0">
-              <a:buNone/>
-              <a:defRPr sz="1500"/>
-            </a:lvl5pPr>
-            <a:lvl6pPr marL="1714500" indent="0">
-              <a:buNone/>
-              <a:defRPr sz="1500"/>
-            </a:lvl6pPr>
-            <a:lvl7pPr marL="2057400" indent="0">
-              <a:buNone/>
-              <a:defRPr sz="1500"/>
-            </a:lvl7pPr>
-            <a:lvl8pPr marL="2400300" indent="0">
-              <a:buNone/>
-              <a:defRPr sz="1500"/>
-            </a:lvl8pPr>
-            <a:lvl9pPr marL="2743200" indent="0">
-              <a:buNone/>
-              <a:defRPr sz="1500"/>
-            </a:lvl9pPr>
-          </a:lstStyle>
-          <a:p>
-            <a:r>
-              <a:rPr lang="en-US"/>
-              <a:t>Click icon to add picture</a:t>
-            </a:r>
-            <a:endParaRPr lang="en-US" dirty="0"/>
-          </a:p>
-        </p:txBody>
-      </p:sp>
-      <p:sp>
-        <p:nvSpPr>
-          <p:cNvPr id="4" name="Text Placeholder 3"/>
-          <p:cNvSpPr>
-            <a:spLocks noGrp="1"/>
-          </p:cNvSpPr>
-          <p:nvPr>
-            <p:ph type="body" sz="half" idx="2"/>
-          </p:nvPr>
-        </p:nvSpPr>
-        <p:spPr>
-          <a:xfrm>
-            <a:off x="507492" y="4432301"/>
-            <a:ext cx="6922008" cy="400050"/>
-          </a:xfrm>
-        </p:spPr>
-        <p:txBody>
-          <a:bodyPr>
-            <a:normAutofit/>
-          </a:bodyPr>
-          <a:lstStyle>
-            <a:lvl1pPr marL="0" indent="0">
-              <a:lnSpc>
-                <a:spcPct val="90000"/>
-              </a:lnSpc>
-              <a:buNone/>
-              <a:defRPr sz="1050">
-                <a:solidFill>
-                  <a:srgbClr val="262626"/>
-                </a:solidFill>
-              </a:defRPr>
-            </a:lvl1pPr>
-            <a:lvl2pPr marL="342900" indent="0">
-              <a:buNone/>
-              <a:defRPr sz="900"/>
-            </a:lvl2pPr>
-            <a:lvl3pPr marL="685800" indent="0">
-              <a:buNone/>
-              <a:defRPr sz="750"/>
-            </a:lvl3pPr>
-            <a:lvl4pPr marL="1028700" indent="0">
-              <a:buNone/>
-              <a:defRPr sz="675"/>
-            </a:lvl4pPr>
-            <a:lvl5pPr marL="1371600" indent="0">
-              <a:buNone/>
-              <a:defRPr sz="675"/>
-            </a:lvl5pPr>
-            <a:lvl6pPr marL="1714500" indent="0">
-              <a:buNone/>
-              <a:defRPr sz="675"/>
-            </a:lvl6pPr>
-            <a:lvl7pPr marL="2057400" indent="0">
-              <a:buNone/>
-              <a:defRPr sz="675"/>
-            </a:lvl7pPr>
-            <a:lvl8pPr marL="2400300" indent="0">
-              <a:buNone/>
-              <a:defRPr sz="675"/>
-            </a:lvl8pPr>
-            <a:lvl9pPr marL="2743200" indent="0">
-              <a:buNone/>
-              <a:defRPr sz="675"/>
-            </a:lvl9pPr>
-          </a:lstStyle>
-          <a:p>
-            <a:pPr lvl="0"/>
-            <a:r>
-              <a:rPr lang="en-US"/>
-              <a:t>Click to edit Master text styles</a:t>
-            </a:r>
-          </a:p>
-        </p:txBody>
-      </p:sp>
-      <p:sp>
-        <p:nvSpPr>
-          <p:cNvPr id="12" name="Date Placeholder 11"/>
-          <p:cNvSpPr>
-            <a:spLocks noGrp="1"/>
-          </p:cNvSpPr>
-          <p:nvPr>
-            <p:ph type="dt" sz="half" idx="10"/>
-          </p:nvPr>
-        </p:nvSpPr>
-        <p:spPr/>
-        <p:txBody>
-          <a:bodyPr/>
-          <a:lstStyle>
-            <a:lvl1pPr>
-              <a:defRPr>
-                <a:solidFill>
-                  <a:srgbClr val="FFFFFF">
-                    <a:alpha val="80000"/>
-                  </a:srgbClr>
-                </a:solidFill>
-              </a:defRPr>
-            </a:lvl1pPr>
-          </a:lstStyle>
-          <a:p>
-            <a:fld id="{241EB5C9-1307-BA42-ABA2-0BC069CD8E7F}" type="datetimeFigureOut">
-              <a:rPr lang="en-US" smtClean="0"/>
-              <a:t>11/6/2022</a:t>
-            </a:fld>
-            <a:endParaRPr lang="en-US"/>
-          </a:p>
-        </p:txBody>
-      </p:sp>
-      <p:sp>
-        <p:nvSpPr>
-          <p:cNvPr id="13" name="Footer Placeholder 12"/>
-          <p:cNvSpPr>
-            <a:spLocks noGrp="1"/>
-          </p:cNvSpPr>
-          <p:nvPr>
-            <p:ph type="ftr" sz="quarter" idx="11"/>
-          </p:nvPr>
-        </p:nvSpPr>
-        <p:spPr/>
-        <p:txBody>
-          <a:bodyPr/>
-          <a:lstStyle>
-            <a:lvl1pPr>
-              <a:defRPr>
-                <a:solidFill>
-                  <a:srgbClr val="FFFFFF">
-                    <a:alpha val="80000"/>
-                  </a:srgbClr>
-                </a:solidFill>
-              </a:defRPr>
-            </a:lvl1pPr>
-          </a:lstStyle>
-          <a:p>
-            <a:endParaRPr lang="en-US"/>
-          </a:p>
-        </p:txBody>
-      </p:sp>
-      <p:sp>
-        <p:nvSpPr>
-          <p:cNvPr id="14" name="Slide Number Placeholder 13"/>
-          <p:cNvSpPr>
-            <a:spLocks noGrp="1"/>
-          </p:cNvSpPr>
-          <p:nvPr>
-            <p:ph type="sldNum" sz="quarter" idx="12"/>
-          </p:nvPr>
-        </p:nvSpPr>
-        <p:spPr/>
-        <p:txBody>
-          <a:bodyPr/>
-          <a:lstStyle>
-            <a:lvl1pPr>
-              <a:defRPr>
-                <a:solidFill>
-                  <a:srgbClr val="FFFFFF">
-                    <a:alpha val="25000"/>
-                  </a:srgbClr>
-                </a:solidFill>
-              </a:defRPr>
-            </a:lvl1pPr>
-          </a:lstStyle>
-          <a:p>
-            <a:fld id="{C5EF2332-01BF-834F-8236-50238282D533}" type="slidenum">
-              <a:rPr lang="en-US" smtClean="0"/>
-              <a:t>‹#›</a:t>
-            </a:fld>
-            <a:endParaRPr lang="en-US"/>
-          </a:p>
-        </p:txBody>
-      </p:sp>
-    </p:spTree>
-    <p:extLst>
-      <p:ext uri="{BB962C8B-B14F-4D97-AF65-F5344CB8AC3E}">
-        <p14:creationId xmlns:p14="http://schemas.microsoft.com/office/powerpoint/2010/main" val="1768251538"/>
-      </p:ext>
-    </p:extLst>
-  </p:cSld>
-  <p:clrMapOvr>
-    <a:overrideClrMapping bg1="lt1" tx1="dk1" bg2="lt2" tx2="dk2" accent1="accent1" accent2="accent2" accent3="accent3" accent4="accent4" accent5="accent5" accent6="accent6" hlink="hlink" folHlink="folHlink"/>
-  </p:clrMapOvr>
-</p:sldLayout>
-</file>
-
-<file path=ppt/slideMasters/slideMaster1.xml><?xml version="1.0" encoding="utf-8"?>
-<p:sldMaster xmlns:a="http://schemas.openxmlformats.org/drawingml/2006/main" xmlns:r="http://schemas.openxmlformats.org/officeDocument/2006/relationships" xmlns:p="http://schemas.openxmlformats.org/presentationml/2006/main">
-  <p:cSld>
-    <p:bg>
-      <p:bgRef idx="1001">
-        <a:schemeClr val="bg1"/>
-      </p:bgRef>
-    </p:bg>
-    <p:spTree>
-      <p:nvGrpSpPr>
-        <p:cNvPr id="1" name=""/>
-        <p:cNvGrpSpPr/>
-        <p:nvPr/>
-      </p:nvGrpSpPr>
-      <p:grpSpPr>
-        <a:xfrm>
-          <a:off x="0" y="0"/>
-          <a:ext cx="0" cy="0"/>
-          <a:chOff x="0" y="0"/>
-          <a:chExt cx="0" cy="0"/>
-        </a:xfrm>
-      </p:grpSpPr>
-      <p:sp>
-        <p:nvSpPr>
           <p:cNvPr id="2" name="Title Placeholder 1"/>
           <p:cNvSpPr>
             <a:spLocks noGrp="1"/>
@@ -5268,7 +5282,7 @@
             <a:fld id="{5586B75A-687E-405C-8A0B-8D00578BA2C3}" type="datetimeFigureOut">
               <a:rPr lang="en-US" smtClean="0"/>
               <a:pPr/>
-              <a:t>11/6/2022</a:t>
+              <a:t>11/18/2022</a:t>
             </a:fld>
             <a:endParaRPr lang="en-US" dirty="0"/>
           </a:p>
@@ -6623,7 +6637,7 @@
                 <a:ea typeface="Calibri" panose="020F0502020204030204" pitchFamily="34" charset="0"/>
                 <a:cs typeface="Times New Roman" panose="02020603050405020304" pitchFamily="18" charset="0"/>
               </a:rPr>
-              <a:t>The dataset was divided into training and testing data. The model was fitted on the training data, and tested for accuracy on the testing data. </a:t>
+              <a:t>The dataset was divided into training and testing data. The model was fitted on the training data and tested for accuracy on the testing data. </a:t>
             </a:r>
             <a:r>
               <a:rPr lang="en-GB" dirty="0" err="1">
@@ -6941,8 +6955,8 @@
         </p:nvSpPr>
         <p:spPr>
           <a:xfrm>
-            <a:off x="3087139" y="2110085"/>
-            <a:ext cx="2969724" cy="923330"/>
+            <a:off x="2948602" y="1240841"/>
+            <a:ext cx="3021020" cy="4308359"/>
           </a:xfrm>
           <a:prstGeom prst="rect">
             <a:avLst/>
@@ -6966,15 +6980,383 @@
           <a:p>
             <a:pPr algn="ctr"/>
             <a:r>
-              <a:rPr lang="en-US" sz="5400" b="1" cap="none" spc="0" dirty="0">
+              <a:rPr lang="en-US" sz="5400" cap="none" spc="0" dirty="0">
                 <a:ln/>
                 <a:solidFill>
-                  <a:schemeClr val="accent4"/>
+                  <a:srgbClr val="002060"/>
                 </a:solidFill>
                 <a:effectLst/>
               </a:rPr>
               <a:t>Thank You</a:t>
             </a:r>
+          </a:p>
+          <a:p>
+            <a:pPr marL="0" marR="0">
+              <a:lnSpc>
+                <a:spcPct val="106000"/>
+              </a:lnSpc>
+              <a:spcBef>
+                <a:spcPts val="0"/>
+              </a:spcBef>
+              <a:spcAft>
+                <a:spcPts val="800"/>
+              </a:spcAft>
+            </a:pPr>
+            <a:r>
+              <a:rPr lang="en-US" sz="1800" u="sng" dirty="0">
+                <a:solidFill>
+                  <a:srgbClr val="002060"/>
+                </a:solidFill>
+                <a:effectLst/>
+                <a:latin typeface="Trebuchet MS" panose="020B0603020202020204" pitchFamily="34" charset="0"/>
+                <a:ea typeface="Calibri" panose="020F0502020204030204" pitchFamily="34" charset="0"/>
+                <a:cs typeface="Nirmala UI" panose="020B0502040204020203" pitchFamily="34" charset="0"/>
+              </a:rPr>
+              <a:t>Group Members (9)</a:t>
+            </a:r>
+            <a:endParaRPr lang="en-US" sz="1800" dirty="0">
+              <a:solidFill>
+                <a:srgbClr val="002060"/>
+              </a:solidFill>
+              <a:effectLst/>
+              <a:latin typeface="Trebuchet MS" panose="020B0603020202020204" pitchFamily="34" charset="0"/>
+              <a:ea typeface="Calibri" panose="020F0502020204030204" pitchFamily="34" charset="0"/>
+              <a:cs typeface="Times New Roman" panose="02020603050405020304" pitchFamily="18" charset="0"/>
+            </a:endParaRPr>
+          </a:p>
+          <a:p>
+            <a:pPr marL="342900" marR="0" lvl="0" indent="-342900">
+              <a:lnSpc>
+                <a:spcPct val="106000"/>
+              </a:lnSpc>
+              <a:spcBef>
+                <a:spcPts val="0"/>
+              </a:spcBef>
+              <a:spcAft>
+                <a:spcPts val="0"/>
+              </a:spcAft>
+              <a:buFont typeface="+mj-lt"/>
+              <a:buAutoNum type="arabicPeriod"/>
+            </a:pPr>
+            <a:r>
+              <a:rPr lang="en-US" sz="1800" dirty="0">
+                <a:solidFill>
+                  <a:srgbClr val="002060"/>
+                </a:solidFill>
+                <a:effectLst/>
+                <a:latin typeface="Trebuchet MS" panose="020B0603020202020204" pitchFamily="34" charset="0"/>
+                <a:ea typeface="Calibri" panose="020F0502020204030204" pitchFamily="34" charset="0"/>
+                <a:cs typeface="Nirmala UI" panose="020B0502040204020203" pitchFamily="34" charset="0"/>
+              </a:rPr>
+              <a:t>Paul </a:t>
+            </a:r>
+            <a:r>
+              <a:rPr lang="en-US" sz="1800" dirty="0" err="1">
+                <a:solidFill>
+                  <a:srgbClr val="002060"/>
+                </a:solidFill>
+                <a:effectLst/>
+                <a:latin typeface="Trebuchet MS" panose="020B0603020202020204" pitchFamily="34" charset="0"/>
+                <a:ea typeface="Calibri" panose="020F0502020204030204" pitchFamily="34" charset="0"/>
+                <a:cs typeface="Nirmala UI" panose="020B0502040204020203" pitchFamily="34" charset="0"/>
+              </a:rPr>
+              <a:t>Madu</a:t>
+            </a:r>
+            <a:endParaRPr lang="en-US" sz="1800" dirty="0">
+              <a:solidFill>
+                <a:srgbClr val="002060"/>
+              </a:solidFill>
+              <a:effectLst/>
+              <a:latin typeface="Trebuchet MS" panose="020B0603020202020204" pitchFamily="34" charset="0"/>
+              <a:ea typeface="Calibri" panose="020F0502020204030204" pitchFamily="34" charset="0"/>
+              <a:cs typeface="Times New Roman" panose="02020603050405020304" pitchFamily="18" charset="0"/>
+            </a:endParaRPr>
+          </a:p>
+          <a:p>
+            <a:pPr marL="342900" marR="0" lvl="0" indent="-342900">
+              <a:lnSpc>
+                <a:spcPct val="106000"/>
+              </a:lnSpc>
+              <a:spcBef>
+                <a:spcPts val="0"/>
+              </a:spcBef>
+              <a:spcAft>
+                <a:spcPts val="0"/>
+              </a:spcAft>
+              <a:buFont typeface="+mj-lt"/>
+              <a:buAutoNum type="arabicPeriod"/>
+            </a:pPr>
+            <a:r>
+              <a:rPr lang="en-US" sz="1800" dirty="0" err="1">
+                <a:solidFill>
+                  <a:srgbClr val="002060"/>
+                </a:solidFill>
+                <a:effectLst/>
+                <a:latin typeface="Trebuchet MS" panose="020B0603020202020204" pitchFamily="34" charset="0"/>
+                <a:ea typeface="Calibri" panose="020F0502020204030204" pitchFamily="34" charset="0"/>
+                <a:cs typeface="Nirmala UI" panose="020B0502040204020203" pitchFamily="34" charset="0"/>
+              </a:rPr>
+              <a:t>Ekechukwu</a:t>
+            </a:r>
+            <a:r>
+              <a:rPr lang="en-US" sz="1800" dirty="0">
+                <a:solidFill>
+                  <a:srgbClr val="002060"/>
+                </a:solidFill>
+                <a:effectLst/>
+                <a:latin typeface="Trebuchet MS" panose="020B0603020202020204" pitchFamily="34" charset="0"/>
+                <a:ea typeface="Calibri" panose="020F0502020204030204" pitchFamily="34" charset="0"/>
+                <a:cs typeface="Nirmala UI" panose="020B0502040204020203" pitchFamily="34" charset="0"/>
+              </a:rPr>
+              <a:t> Paul</a:t>
+            </a:r>
+            <a:endParaRPr lang="en-US" sz="1800" dirty="0">
+              <a:solidFill>
+                <a:srgbClr val="002060"/>
+              </a:solidFill>
+              <a:effectLst/>
+              <a:latin typeface="Trebuchet MS" panose="020B0603020202020204" pitchFamily="34" charset="0"/>
+              <a:ea typeface="Calibri" panose="020F0502020204030204" pitchFamily="34" charset="0"/>
+              <a:cs typeface="Times New Roman" panose="02020603050405020304" pitchFamily="18" charset="0"/>
+            </a:endParaRPr>
+          </a:p>
+          <a:p>
+            <a:pPr marL="342900" marR="0" lvl="0" indent="-342900">
+              <a:lnSpc>
+                <a:spcPct val="106000"/>
+              </a:lnSpc>
+              <a:spcBef>
+                <a:spcPts val="0"/>
+              </a:spcBef>
+              <a:spcAft>
+                <a:spcPts val="0"/>
+              </a:spcAft>
+              <a:buFont typeface="+mj-lt"/>
+              <a:buAutoNum type="arabicPeriod"/>
+            </a:pPr>
+            <a:r>
+              <a:rPr lang="en-US" sz="1800" dirty="0">
+                <a:solidFill>
+                  <a:srgbClr val="002060"/>
+                </a:solidFill>
+                <a:effectLst/>
+                <a:latin typeface="Trebuchet MS" panose="020B0603020202020204" pitchFamily="34" charset="0"/>
+                <a:ea typeface="Calibri" panose="020F0502020204030204" pitchFamily="34" charset="0"/>
+                <a:cs typeface="Nirmala UI" panose="020B0502040204020203" pitchFamily="34" charset="0"/>
+              </a:rPr>
+              <a:t>Hilary </a:t>
+            </a:r>
+            <a:r>
+              <a:rPr lang="en-US" sz="1800" dirty="0" err="1">
+                <a:solidFill>
+                  <a:srgbClr val="002060"/>
+                </a:solidFill>
+                <a:effectLst/>
+                <a:latin typeface="Trebuchet MS" panose="020B0603020202020204" pitchFamily="34" charset="0"/>
+                <a:ea typeface="Calibri" panose="020F0502020204030204" pitchFamily="34" charset="0"/>
+                <a:cs typeface="Nirmala UI" panose="020B0502040204020203" pitchFamily="34" charset="0"/>
+              </a:rPr>
+              <a:t>Ekwebele</a:t>
+            </a:r>
+            <a:endParaRPr lang="en-US" sz="1800" dirty="0">
+              <a:solidFill>
+                <a:srgbClr val="002060"/>
+              </a:solidFill>
+              <a:effectLst/>
+              <a:latin typeface="Trebuchet MS" panose="020B0603020202020204" pitchFamily="34" charset="0"/>
+              <a:ea typeface="Calibri" panose="020F0502020204030204" pitchFamily="34" charset="0"/>
+              <a:cs typeface="Times New Roman" panose="02020603050405020304" pitchFamily="18" charset="0"/>
+            </a:endParaRPr>
+          </a:p>
+          <a:p>
+            <a:pPr marL="342900" marR="0" lvl="0" indent="-342900">
+              <a:lnSpc>
+                <a:spcPct val="106000"/>
+              </a:lnSpc>
+              <a:spcBef>
+                <a:spcPts val="0"/>
+              </a:spcBef>
+              <a:spcAft>
+                <a:spcPts val="0"/>
+              </a:spcAft>
+              <a:buFont typeface="+mj-lt"/>
+              <a:buAutoNum type="arabicPeriod"/>
+            </a:pPr>
+            <a:r>
+              <a:rPr lang="en-US" sz="1800" dirty="0">
+                <a:solidFill>
+                  <a:srgbClr val="002060"/>
+                </a:solidFill>
+                <a:effectLst/>
+                <a:latin typeface="Trebuchet MS" panose="020B0603020202020204" pitchFamily="34" charset="0"/>
+                <a:ea typeface="Calibri" panose="020F0502020204030204" pitchFamily="34" charset="0"/>
+                <a:cs typeface="Nirmala UI" panose="020B0502040204020203" pitchFamily="34" charset="0"/>
+              </a:rPr>
+              <a:t>Bukola Adekoya</a:t>
+            </a:r>
+            <a:endParaRPr lang="en-US" sz="1800" dirty="0">
+              <a:solidFill>
+                <a:srgbClr val="002060"/>
+              </a:solidFill>
+              <a:effectLst/>
+              <a:latin typeface="Trebuchet MS" panose="020B0603020202020204" pitchFamily="34" charset="0"/>
+              <a:ea typeface="Calibri" panose="020F0502020204030204" pitchFamily="34" charset="0"/>
+              <a:cs typeface="Times New Roman" panose="02020603050405020304" pitchFamily="18" charset="0"/>
+            </a:endParaRPr>
+          </a:p>
+          <a:p>
+            <a:pPr marL="342900" marR="0" lvl="0" indent="-342900">
+              <a:lnSpc>
+                <a:spcPct val="106000"/>
+              </a:lnSpc>
+              <a:spcBef>
+                <a:spcPts val="0"/>
+              </a:spcBef>
+              <a:spcAft>
+                <a:spcPts val="0"/>
+              </a:spcAft>
+              <a:buFont typeface="+mj-lt"/>
+              <a:buAutoNum type="arabicPeriod"/>
+            </a:pPr>
+            <a:r>
+              <a:rPr lang="en-US" sz="1800" dirty="0">
+                <a:solidFill>
+                  <a:srgbClr val="002060"/>
+                </a:solidFill>
+                <a:effectLst/>
+                <a:latin typeface="Trebuchet MS" panose="020B0603020202020204" pitchFamily="34" charset="0"/>
+                <a:ea typeface="Calibri" panose="020F0502020204030204" pitchFamily="34" charset="0"/>
+                <a:cs typeface="Nirmala UI" panose="020B0502040204020203" pitchFamily="34" charset="0"/>
+              </a:rPr>
+              <a:t>Ridwan </a:t>
+            </a:r>
+            <a:r>
+              <a:rPr lang="en-US" sz="1800" dirty="0" err="1">
+                <a:solidFill>
+                  <a:srgbClr val="002060"/>
+                </a:solidFill>
+                <a:effectLst/>
+                <a:latin typeface="Trebuchet MS" panose="020B0603020202020204" pitchFamily="34" charset="0"/>
+                <a:ea typeface="Calibri" panose="020F0502020204030204" pitchFamily="34" charset="0"/>
+                <a:cs typeface="Nirmala UI" panose="020B0502040204020203" pitchFamily="34" charset="0"/>
+              </a:rPr>
+              <a:t>Tiamiyu</a:t>
+            </a:r>
+            <a:endParaRPr lang="en-US" sz="1800" dirty="0">
+              <a:solidFill>
+                <a:srgbClr val="002060"/>
+              </a:solidFill>
+              <a:effectLst/>
+              <a:latin typeface="Trebuchet MS" panose="020B0603020202020204" pitchFamily="34" charset="0"/>
+              <a:ea typeface="Calibri" panose="020F0502020204030204" pitchFamily="34" charset="0"/>
+              <a:cs typeface="Times New Roman" panose="02020603050405020304" pitchFamily="18" charset="0"/>
+            </a:endParaRPr>
+          </a:p>
+          <a:p>
+            <a:pPr marL="342900" marR="0" lvl="0" indent="-342900">
+              <a:lnSpc>
+                <a:spcPct val="106000"/>
+              </a:lnSpc>
+              <a:spcBef>
+                <a:spcPts val="0"/>
+              </a:spcBef>
+              <a:spcAft>
+                <a:spcPts val="0"/>
+              </a:spcAft>
+              <a:buFont typeface="+mj-lt"/>
+              <a:buAutoNum type="arabicPeriod"/>
+            </a:pPr>
+            <a:r>
+              <a:rPr lang="en-US" sz="1800" dirty="0">
+                <a:solidFill>
+                  <a:srgbClr val="002060"/>
+                </a:solidFill>
+                <a:effectLst/>
+                <a:latin typeface="Trebuchet MS" panose="020B0603020202020204" pitchFamily="34" charset="0"/>
+                <a:ea typeface="Calibri" panose="020F0502020204030204" pitchFamily="34" charset="0"/>
+                <a:cs typeface="Nirmala UI" panose="020B0502040204020203" pitchFamily="34" charset="0"/>
+              </a:rPr>
+              <a:t>Ogunleye </a:t>
+            </a:r>
+            <a:r>
+              <a:rPr lang="en-US" sz="1800" dirty="0" err="1">
+                <a:solidFill>
+                  <a:srgbClr val="002060"/>
+                </a:solidFill>
+                <a:effectLst/>
+                <a:latin typeface="Trebuchet MS" panose="020B0603020202020204" pitchFamily="34" charset="0"/>
+                <a:ea typeface="Calibri" panose="020F0502020204030204" pitchFamily="34" charset="0"/>
+                <a:cs typeface="Nirmala UI" panose="020B0502040204020203" pitchFamily="34" charset="0"/>
+              </a:rPr>
+              <a:t>Anuoluwapo</a:t>
+            </a:r>
+            <a:endParaRPr lang="en-US" sz="1800" dirty="0">
+              <a:solidFill>
+                <a:srgbClr val="002060"/>
+              </a:solidFill>
+              <a:effectLst/>
+              <a:latin typeface="Trebuchet MS" panose="020B0603020202020204" pitchFamily="34" charset="0"/>
+              <a:ea typeface="Calibri" panose="020F0502020204030204" pitchFamily="34" charset="0"/>
+              <a:cs typeface="Times New Roman" panose="02020603050405020304" pitchFamily="18" charset="0"/>
+            </a:endParaRPr>
+          </a:p>
+          <a:p>
+            <a:pPr marL="342900" marR="0" lvl="0" indent="-342900">
+              <a:lnSpc>
+                <a:spcPct val="106000"/>
+              </a:lnSpc>
+              <a:spcBef>
+                <a:spcPts val="0"/>
+              </a:spcBef>
+              <a:spcAft>
+                <a:spcPts val="800"/>
+              </a:spcAft>
+              <a:buFont typeface="+mj-lt"/>
+              <a:buAutoNum type="arabicPeriod"/>
+            </a:pPr>
+            <a:r>
+              <a:rPr lang="en-US" sz="1800" dirty="0">
+                <a:solidFill>
+                  <a:srgbClr val="002060"/>
+                </a:solidFill>
+                <a:effectLst/>
+                <a:latin typeface="Trebuchet MS" panose="020B0603020202020204" pitchFamily="34" charset="0"/>
+                <a:ea typeface="Calibri" panose="020F0502020204030204" pitchFamily="34" charset="0"/>
+                <a:cs typeface="Nirmala UI" panose="020B0502040204020203" pitchFamily="34" charset="0"/>
+              </a:rPr>
+              <a:t>Grace </a:t>
+            </a:r>
+            <a:r>
+              <a:rPr lang="en-US" sz="1800" dirty="0" err="1">
+                <a:solidFill>
+                  <a:srgbClr val="002060"/>
+                </a:solidFill>
+                <a:effectLst/>
+                <a:latin typeface="Trebuchet MS" panose="020B0603020202020204" pitchFamily="34" charset="0"/>
+                <a:ea typeface="Calibri" panose="020F0502020204030204" pitchFamily="34" charset="0"/>
+                <a:cs typeface="Nirmala UI" panose="020B0502040204020203" pitchFamily="34" charset="0"/>
+              </a:rPr>
+              <a:t>Ameh</a:t>
+            </a:r>
+            <a:endParaRPr lang="en-US" sz="1800" dirty="0">
+              <a:solidFill>
+                <a:srgbClr val="002060"/>
+              </a:solidFill>
+              <a:effectLst/>
+              <a:latin typeface="Trebuchet MS" panose="020B0603020202020204" pitchFamily="34" charset="0"/>
+              <a:ea typeface="Calibri" panose="020F0502020204030204" pitchFamily="34" charset="0"/>
+              <a:cs typeface="Times New Roman" panose="02020603050405020304" pitchFamily="18" charset="0"/>
+            </a:endParaRPr>
+          </a:p>
+          <a:p>
+            <a:pPr algn="ctr"/>
+            <a:endParaRPr lang="en-US" sz="5400" b="1" cap="none" spc="0" dirty="0">
+              <a:ln/>
+              <a:solidFill>
+                <a:schemeClr val="accent4"/>
+              </a:solidFill>
+              <a:effectLst/>
+            </a:endParaRPr>
           </a:p>
         </p:txBody>
       </p:sp>
